--- a/example19.pptx
+++ b/example19.pptx
@@ -155,10 +155,9 @@
           </a:lstStyle>
           <a:p>
             <a:r>
-              <a:rPr lang="en-US" smtClean="0"/>
+              <a:rPr lang="en-US"/>
               <a:t>Click to edit Master title style</a:t>
             </a:r>
-            <a:endParaRPr lang="en-US"/>
           </a:p>
         </p:txBody>
       </p:sp>
@@ -220,10 +219,9 @@
           </a:lstStyle>
           <a:p>
             <a:r>
-              <a:rPr lang="en-US" smtClean="0"/>
+              <a:rPr lang="en-US"/>
               <a:t>Click to edit Master subtitle style</a:t>
             </a:r>
-            <a:endParaRPr lang="en-US"/>
           </a:p>
         </p:txBody>
       </p:sp>
@@ -244,7 +242,7 @@
           <a:p>
             <a:fld id="{2239E4EC-CC37-4120-9A67-41D4C7B0D200}" type="datetimeFigureOut">
               <a:rPr lang="en-US" smtClean="0"/>
-              <a:t>5/7/2021</a:t>
+              <a:t>5/8/2021</a:t>
             </a:fld>
             <a:endParaRPr lang="en-US"/>
           </a:p>
@@ -338,10 +336,9 @@
           <a:lstStyle/>
           <a:p>
             <a:r>
-              <a:rPr lang="en-US" smtClean="0"/>
+              <a:rPr lang="en-US"/>
               <a:t>Click to edit Master title style</a:t>
             </a:r>
-            <a:endParaRPr lang="en-US"/>
           </a:p>
         </p:txBody>
       </p:sp>
@@ -362,38 +359,37 @@
           <a:p>
             <a:pPr lvl="0"/>
             <a:r>
-              <a:rPr lang="en-US" smtClean="0"/>
+              <a:rPr lang="en-US"/>
               <a:t>Edit Master text styles</a:t>
             </a:r>
           </a:p>
           <a:p>
             <a:pPr lvl="1"/>
             <a:r>
-              <a:rPr lang="en-US" smtClean="0"/>
+              <a:rPr lang="en-US"/>
               <a:t>Second level</a:t>
             </a:r>
           </a:p>
           <a:p>
             <a:pPr lvl="2"/>
             <a:r>
-              <a:rPr lang="en-US" smtClean="0"/>
+              <a:rPr lang="en-US"/>
               <a:t>Third level</a:t>
             </a:r>
           </a:p>
           <a:p>
             <a:pPr lvl="3"/>
             <a:r>
-              <a:rPr lang="en-US" smtClean="0"/>
+              <a:rPr lang="en-US"/>
               <a:t>Fourth level</a:t>
             </a:r>
           </a:p>
           <a:p>
             <a:pPr lvl="4"/>
             <a:r>
-              <a:rPr lang="en-US" smtClean="0"/>
+              <a:rPr lang="en-US"/>
               <a:t>Fifth level</a:t>
             </a:r>
-            <a:endParaRPr lang="en-US"/>
           </a:p>
         </p:txBody>
       </p:sp>
@@ -414,7 +410,7 @@
           <a:p>
             <a:fld id="{2239E4EC-CC37-4120-9A67-41D4C7B0D200}" type="datetimeFigureOut">
               <a:rPr lang="en-US" smtClean="0"/>
-              <a:t>5/7/2021</a:t>
+              <a:t>5/8/2021</a:t>
             </a:fld>
             <a:endParaRPr lang="en-US"/>
           </a:p>
@@ -513,10 +509,9 @@
           <a:lstStyle/>
           <a:p>
             <a:r>
-              <a:rPr lang="en-US" smtClean="0"/>
+              <a:rPr lang="en-US"/>
               <a:t>Click to edit Master title style</a:t>
             </a:r>
-            <a:endParaRPr lang="en-US"/>
           </a:p>
         </p:txBody>
       </p:sp>
@@ -542,38 +537,37 @@
           <a:p>
             <a:pPr lvl="0"/>
             <a:r>
-              <a:rPr lang="en-US" smtClean="0"/>
+              <a:rPr lang="en-US"/>
               <a:t>Edit Master text styles</a:t>
             </a:r>
           </a:p>
           <a:p>
             <a:pPr lvl="1"/>
             <a:r>
-              <a:rPr lang="en-US" smtClean="0"/>
+              <a:rPr lang="en-US"/>
               <a:t>Second level</a:t>
             </a:r>
           </a:p>
           <a:p>
             <a:pPr lvl="2"/>
             <a:r>
-              <a:rPr lang="en-US" smtClean="0"/>
+              <a:rPr lang="en-US"/>
               <a:t>Third level</a:t>
             </a:r>
           </a:p>
           <a:p>
             <a:pPr lvl="3"/>
             <a:r>
-              <a:rPr lang="en-US" smtClean="0"/>
+              <a:rPr lang="en-US"/>
               <a:t>Fourth level</a:t>
             </a:r>
           </a:p>
           <a:p>
             <a:pPr lvl="4"/>
             <a:r>
-              <a:rPr lang="en-US" smtClean="0"/>
+              <a:rPr lang="en-US"/>
               <a:t>Fifth level</a:t>
             </a:r>
-            <a:endParaRPr lang="en-US"/>
           </a:p>
         </p:txBody>
       </p:sp>
@@ -594,7 +588,7 @@
           <a:p>
             <a:fld id="{2239E4EC-CC37-4120-9A67-41D4C7B0D200}" type="datetimeFigureOut">
               <a:rPr lang="en-US" smtClean="0"/>
-              <a:t>5/7/2021</a:t>
+              <a:t>5/8/2021</a:t>
             </a:fld>
             <a:endParaRPr lang="en-US"/>
           </a:p>
@@ -688,10 +682,9 @@
           <a:lstStyle/>
           <a:p>
             <a:r>
-              <a:rPr lang="en-US" smtClean="0"/>
+              <a:rPr lang="en-US"/>
               <a:t>Click to edit Master title style</a:t>
             </a:r>
-            <a:endParaRPr lang="en-US"/>
           </a:p>
         </p:txBody>
       </p:sp>
@@ -712,38 +705,37 @@
           <a:p>
             <a:pPr lvl="0"/>
             <a:r>
-              <a:rPr lang="en-US" smtClean="0"/>
+              <a:rPr lang="en-US"/>
               <a:t>Edit Master text styles</a:t>
             </a:r>
           </a:p>
           <a:p>
             <a:pPr lvl="1"/>
             <a:r>
-              <a:rPr lang="en-US" smtClean="0"/>
+              <a:rPr lang="en-US"/>
               <a:t>Second level</a:t>
             </a:r>
           </a:p>
           <a:p>
             <a:pPr lvl="2"/>
             <a:r>
-              <a:rPr lang="en-US" smtClean="0"/>
+              <a:rPr lang="en-US"/>
               <a:t>Third level</a:t>
             </a:r>
           </a:p>
           <a:p>
             <a:pPr lvl="3"/>
             <a:r>
-              <a:rPr lang="en-US" smtClean="0"/>
+              <a:rPr lang="en-US"/>
               <a:t>Fourth level</a:t>
             </a:r>
           </a:p>
           <a:p>
             <a:pPr lvl="4"/>
             <a:r>
-              <a:rPr lang="en-US" smtClean="0"/>
+              <a:rPr lang="en-US"/>
               <a:t>Fifth level</a:t>
             </a:r>
-            <a:endParaRPr lang="en-US"/>
           </a:p>
         </p:txBody>
       </p:sp>
@@ -764,7 +756,7 @@
           <a:p>
             <a:fld id="{2239E4EC-CC37-4120-9A67-41D4C7B0D200}" type="datetimeFigureOut">
               <a:rPr lang="en-US" smtClean="0"/>
-              <a:t>5/7/2021</a:t>
+              <a:t>5/8/2021</a:t>
             </a:fld>
             <a:endParaRPr lang="en-US"/>
           </a:p>
@@ -867,10 +859,9 @@
           </a:lstStyle>
           <a:p>
             <a:r>
-              <a:rPr lang="en-US" smtClean="0"/>
+              <a:rPr lang="en-US"/>
               <a:t>Click to edit Master title style</a:t>
             </a:r>
-            <a:endParaRPr lang="en-US"/>
           </a:p>
         </p:txBody>
       </p:sp>
@@ -987,7 +978,7 @@
           <a:p>
             <a:pPr lvl="0"/>
             <a:r>
-              <a:rPr lang="en-US" smtClean="0"/>
+              <a:rPr lang="en-US"/>
               <a:t>Edit Master text styles</a:t>
             </a:r>
           </a:p>
@@ -1010,7 +1001,7 @@
           <a:p>
             <a:fld id="{2239E4EC-CC37-4120-9A67-41D4C7B0D200}" type="datetimeFigureOut">
               <a:rPr lang="en-US" smtClean="0"/>
-              <a:t>5/7/2021</a:t>
+              <a:t>5/8/2021</a:t>
             </a:fld>
             <a:endParaRPr lang="en-US"/>
           </a:p>
@@ -1104,10 +1095,9 @@
           <a:lstStyle/>
           <a:p>
             <a:r>
-              <a:rPr lang="en-US" smtClean="0"/>
+              <a:rPr lang="en-US"/>
               <a:t>Click to edit Master title style</a:t>
             </a:r>
-            <a:endParaRPr lang="en-US"/>
           </a:p>
         </p:txBody>
       </p:sp>
@@ -1133,38 +1123,37 @@
           <a:p>
             <a:pPr lvl="0"/>
             <a:r>
-              <a:rPr lang="en-US" smtClean="0"/>
+              <a:rPr lang="en-US"/>
               <a:t>Edit Master text styles</a:t>
             </a:r>
           </a:p>
           <a:p>
             <a:pPr lvl="1"/>
             <a:r>
-              <a:rPr lang="en-US" smtClean="0"/>
+              <a:rPr lang="en-US"/>
               <a:t>Second level</a:t>
             </a:r>
           </a:p>
           <a:p>
             <a:pPr lvl="2"/>
             <a:r>
-              <a:rPr lang="en-US" smtClean="0"/>
+              <a:rPr lang="en-US"/>
               <a:t>Third level</a:t>
             </a:r>
           </a:p>
           <a:p>
             <a:pPr lvl="3"/>
             <a:r>
-              <a:rPr lang="en-US" smtClean="0"/>
+              <a:rPr lang="en-US"/>
               <a:t>Fourth level</a:t>
             </a:r>
           </a:p>
           <a:p>
             <a:pPr lvl="4"/>
             <a:r>
-              <a:rPr lang="en-US" smtClean="0"/>
+              <a:rPr lang="en-US"/>
               <a:t>Fifth level</a:t>
             </a:r>
-            <a:endParaRPr lang="en-US"/>
           </a:p>
         </p:txBody>
       </p:sp>
@@ -1190,38 +1179,37 @@
           <a:p>
             <a:pPr lvl="0"/>
             <a:r>
-              <a:rPr lang="en-US" smtClean="0"/>
+              <a:rPr lang="en-US"/>
               <a:t>Edit Master text styles</a:t>
             </a:r>
           </a:p>
           <a:p>
             <a:pPr lvl="1"/>
             <a:r>
-              <a:rPr lang="en-US" smtClean="0"/>
+              <a:rPr lang="en-US"/>
               <a:t>Second level</a:t>
             </a:r>
           </a:p>
           <a:p>
             <a:pPr lvl="2"/>
             <a:r>
-              <a:rPr lang="en-US" smtClean="0"/>
+              <a:rPr lang="en-US"/>
               <a:t>Third level</a:t>
             </a:r>
           </a:p>
           <a:p>
             <a:pPr lvl="3"/>
             <a:r>
-              <a:rPr lang="en-US" smtClean="0"/>
+              <a:rPr lang="en-US"/>
               <a:t>Fourth level</a:t>
             </a:r>
           </a:p>
           <a:p>
             <a:pPr lvl="4"/>
             <a:r>
-              <a:rPr lang="en-US" smtClean="0"/>
+              <a:rPr lang="en-US"/>
               <a:t>Fifth level</a:t>
             </a:r>
-            <a:endParaRPr lang="en-US"/>
           </a:p>
         </p:txBody>
       </p:sp>
@@ -1242,7 +1230,7 @@
           <a:p>
             <a:fld id="{2239E4EC-CC37-4120-9A67-41D4C7B0D200}" type="datetimeFigureOut">
               <a:rPr lang="en-US" smtClean="0"/>
-              <a:t>5/7/2021</a:t>
+              <a:t>5/8/2021</a:t>
             </a:fld>
             <a:endParaRPr lang="en-US"/>
           </a:p>
@@ -1341,10 +1329,9 @@
           <a:lstStyle/>
           <a:p>
             <a:r>
-              <a:rPr lang="en-US" smtClean="0"/>
+              <a:rPr lang="en-US"/>
               <a:t>Click to edit Master title style</a:t>
             </a:r>
-            <a:endParaRPr lang="en-US"/>
           </a:p>
         </p:txBody>
       </p:sp>
@@ -1407,7 +1394,7 @@
           <a:p>
             <a:pPr lvl="0"/>
             <a:r>
-              <a:rPr lang="en-US" smtClean="0"/>
+              <a:rPr lang="en-US"/>
               <a:t>Edit Master text styles</a:t>
             </a:r>
           </a:p>
@@ -1435,38 +1422,37 @@
           <a:p>
             <a:pPr lvl="0"/>
             <a:r>
-              <a:rPr lang="en-US" smtClean="0"/>
+              <a:rPr lang="en-US"/>
               <a:t>Edit Master text styles</a:t>
             </a:r>
           </a:p>
           <a:p>
             <a:pPr lvl="1"/>
             <a:r>
-              <a:rPr lang="en-US" smtClean="0"/>
+              <a:rPr lang="en-US"/>
               <a:t>Second level</a:t>
             </a:r>
           </a:p>
           <a:p>
             <a:pPr lvl="2"/>
             <a:r>
-              <a:rPr lang="en-US" smtClean="0"/>
+              <a:rPr lang="en-US"/>
               <a:t>Third level</a:t>
             </a:r>
           </a:p>
           <a:p>
             <a:pPr lvl="3"/>
             <a:r>
-              <a:rPr lang="en-US" smtClean="0"/>
+              <a:rPr lang="en-US"/>
               <a:t>Fourth level</a:t>
             </a:r>
           </a:p>
           <a:p>
             <a:pPr lvl="4"/>
             <a:r>
-              <a:rPr lang="en-US" smtClean="0"/>
+              <a:rPr lang="en-US"/>
               <a:t>Fifth level</a:t>
             </a:r>
-            <a:endParaRPr lang="en-US"/>
           </a:p>
         </p:txBody>
       </p:sp>
@@ -1529,7 +1515,7 @@
           <a:p>
             <a:pPr lvl="0"/>
             <a:r>
-              <a:rPr lang="en-US" smtClean="0"/>
+              <a:rPr lang="en-US"/>
               <a:t>Edit Master text styles</a:t>
             </a:r>
           </a:p>
@@ -1557,38 +1543,37 @@
           <a:p>
             <a:pPr lvl="0"/>
             <a:r>
-              <a:rPr lang="en-US" smtClean="0"/>
+              <a:rPr lang="en-US"/>
               <a:t>Edit Master text styles</a:t>
             </a:r>
           </a:p>
           <a:p>
             <a:pPr lvl="1"/>
             <a:r>
-              <a:rPr lang="en-US" smtClean="0"/>
+              <a:rPr lang="en-US"/>
               <a:t>Second level</a:t>
             </a:r>
           </a:p>
           <a:p>
             <a:pPr lvl="2"/>
             <a:r>
-              <a:rPr lang="en-US" smtClean="0"/>
+              <a:rPr lang="en-US"/>
               <a:t>Third level</a:t>
             </a:r>
           </a:p>
           <a:p>
             <a:pPr lvl="3"/>
             <a:r>
-              <a:rPr lang="en-US" smtClean="0"/>
+              <a:rPr lang="en-US"/>
               <a:t>Fourth level</a:t>
             </a:r>
           </a:p>
           <a:p>
             <a:pPr lvl="4"/>
             <a:r>
-              <a:rPr lang="en-US" smtClean="0"/>
+              <a:rPr lang="en-US"/>
               <a:t>Fifth level</a:t>
             </a:r>
-            <a:endParaRPr lang="en-US"/>
           </a:p>
         </p:txBody>
       </p:sp>
@@ -1609,7 +1594,7 @@
           <a:p>
             <a:fld id="{2239E4EC-CC37-4120-9A67-41D4C7B0D200}" type="datetimeFigureOut">
               <a:rPr lang="en-US" smtClean="0"/>
-              <a:t>5/7/2021</a:t>
+              <a:t>5/8/2021</a:t>
             </a:fld>
             <a:endParaRPr lang="en-US"/>
           </a:p>
@@ -1703,10 +1688,9 @@
           <a:lstStyle/>
           <a:p>
             <a:r>
-              <a:rPr lang="en-US" smtClean="0"/>
+              <a:rPr lang="en-US"/>
               <a:t>Click to edit Master title style</a:t>
             </a:r>
-            <a:endParaRPr lang="en-US"/>
           </a:p>
         </p:txBody>
       </p:sp>
@@ -1727,7 +1711,7 @@
           <a:p>
             <a:fld id="{2239E4EC-CC37-4120-9A67-41D4C7B0D200}" type="datetimeFigureOut">
               <a:rPr lang="en-US" smtClean="0"/>
-              <a:t>5/7/2021</a:t>
+              <a:t>5/8/2021</a:t>
             </a:fld>
             <a:endParaRPr lang="en-US"/>
           </a:p>
@@ -1822,7 +1806,7 @@
           <a:p>
             <a:fld id="{2239E4EC-CC37-4120-9A67-41D4C7B0D200}" type="datetimeFigureOut">
               <a:rPr lang="en-US" smtClean="0"/>
-              <a:t>5/7/2021</a:t>
+              <a:t>5/8/2021</a:t>
             </a:fld>
             <a:endParaRPr lang="en-US"/>
           </a:p>
@@ -1925,10 +1909,9 @@
           </a:lstStyle>
           <a:p>
             <a:r>
-              <a:rPr lang="en-US" smtClean="0"/>
+              <a:rPr lang="en-US"/>
               <a:t>Click to edit Master title style</a:t>
             </a:r>
-            <a:endParaRPr lang="en-US"/>
           </a:p>
         </p:txBody>
       </p:sp>
@@ -1982,38 +1965,37 @@
           <a:p>
             <a:pPr lvl="0"/>
             <a:r>
-              <a:rPr lang="en-US" smtClean="0"/>
+              <a:rPr lang="en-US"/>
               <a:t>Edit Master text styles</a:t>
             </a:r>
           </a:p>
           <a:p>
             <a:pPr lvl="1"/>
             <a:r>
-              <a:rPr lang="en-US" smtClean="0"/>
+              <a:rPr lang="en-US"/>
               <a:t>Second level</a:t>
             </a:r>
           </a:p>
           <a:p>
             <a:pPr lvl="2"/>
             <a:r>
-              <a:rPr lang="en-US" smtClean="0"/>
+              <a:rPr lang="en-US"/>
               <a:t>Third level</a:t>
             </a:r>
           </a:p>
           <a:p>
             <a:pPr lvl="3"/>
             <a:r>
-              <a:rPr lang="en-US" smtClean="0"/>
+              <a:rPr lang="en-US"/>
               <a:t>Fourth level</a:t>
             </a:r>
           </a:p>
           <a:p>
             <a:pPr lvl="4"/>
             <a:r>
-              <a:rPr lang="en-US" smtClean="0"/>
+              <a:rPr lang="en-US"/>
               <a:t>Fifth level</a:t>
             </a:r>
-            <a:endParaRPr lang="en-US"/>
           </a:p>
         </p:txBody>
       </p:sp>
@@ -2076,7 +2058,7 @@
           <a:p>
             <a:pPr lvl="0"/>
             <a:r>
-              <a:rPr lang="en-US" smtClean="0"/>
+              <a:rPr lang="en-US"/>
               <a:t>Edit Master text styles</a:t>
             </a:r>
           </a:p>
@@ -2099,7 +2081,7 @@
           <a:p>
             <a:fld id="{2239E4EC-CC37-4120-9A67-41D4C7B0D200}" type="datetimeFigureOut">
               <a:rPr lang="en-US" smtClean="0"/>
-              <a:t>5/7/2021</a:t>
+              <a:t>5/8/2021</a:t>
             </a:fld>
             <a:endParaRPr lang="en-US"/>
           </a:p>
@@ -2202,10 +2184,9 @@
           </a:lstStyle>
           <a:p>
             <a:r>
-              <a:rPr lang="en-US" smtClean="0"/>
+              <a:rPr lang="en-US"/>
               <a:t>Click to edit Master title style</a:t>
             </a:r>
-            <a:endParaRPr lang="en-US"/>
           </a:p>
         </p:txBody>
       </p:sp>
@@ -2329,7 +2310,7 @@
           <a:p>
             <a:pPr lvl="0"/>
             <a:r>
-              <a:rPr lang="en-US" smtClean="0"/>
+              <a:rPr lang="en-US"/>
               <a:t>Edit Master text styles</a:t>
             </a:r>
           </a:p>
@@ -2352,7 +2333,7 @@
           <a:p>
             <a:fld id="{2239E4EC-CC37-4120-9A67-41D4C7B0D200}" type="datetimeFigureOut">
               <a:rPr lang="en-US" smtClean="0"/>
-              <a:t>5/7/2021</a:t>
+              <a:t>5/8/2021</a:t>
             </a:fld>
             <a:endParaRPr lang="en-US"/>
           </a:p>
@@ -2461,10 +2442,9 @@
           <a:lstStyle/>
           <a:p>
             <a:r>
-              <a:rPr lang="en-US" smtClean="0"/>
+              <a:rPr lang="en-US"/>
               <a:t>Click to edit Master title style</a:t>
             </a:r>
-            <a:endParaRPr lang="en-US"/>
           </a:p>
         </p:txBody>
       </p:sp>
@@ -2495,38 +2475,37 @@
           <a:p>
             <a:pPr lvl="0"/>
             <a:r>
-              <a:rPr lang="en-US" smtClean="0"/>
+              <a:rPr lang="en-US"/>
               <a:t>Edit Master text styles</a:t>
             </a:r>
           </a:p>
           <a:p>
             <a:pPr lvl="1"/>
             <a:r>
-              <a:rPr lang="en-US" smtClean="0"/>
+              <a:rPr lang="en-US"/>
               <a:t>Second level</a:t>
             </a:r>
           </a:p>
           <a:p>
             <a:pPr lvl="2"/>
             <a:r>
-              <a:rPr lang="en-US" smtClean="0"/>
+              <a:rPr lang="en-US"/>
               <a:t>Third level</a:t>
             </a:r>
           </a:p>
           <a:p>
             <a:pPr lvl="3"/>
             <a:r>
-              <a:rPr lang="en-US" smtClean="0"/>
+              <a:rPr lang="en-US"/>
               <a:t>Fourth level</a:t>
             </a:r>
           </a:p>
           <a:p>
             <a:pPr lvl="4"/>
             <a:r>
-              <a:rPr lang="en-US" smtClean="0"/>
+              <a:rPr lang="en-US"/>
               <a:t>Fifth level</a:t>
             </a:r>
-            <a:endParaRPr lang="en-US"/>
           </a:p>
         </p:txBody>
       </p:sp>
@@ -2565,7 +2544,7 @@
           <a:p>
             <a:fld id="{2239E4EC-CC37-4120-9A67-41D4C7B0D200}" type="datetimeFigureOut">
               <a:rPr lang="en-US" smtClean="0"/>
-              <a:t>5/7/2021</a:t>
+              <a:t>5/8/2021</a:t>
             </a:fld>
             <a:endParaRPr lang="en-US"/>
           </a:p>
@@ -2980,17 +2959,22 @@
             <p:ph type="title"/>
           </p:nvPr>
         </p:nvSpPr>
-        <p:spPr/>
-        <p:txBody>
-          <a:bodyPr/>
-          <a:lstStyle/>
-          <a:p>
-            <a:r>
-              <a:rPr lang="en-US" dirty="0" smtClean="0"/>
+        <p:spPr>
+          <a:xfrm>
+            <a:off x="838200" y="111125"/>
+            <a:ext cx="10515600" cy="1325563"/>
+          </a:xfrm>
+        </p:spPr>
+        <p:txBody>
+          <a:bodyPr/>
+          <a:lstStyle/>
+          <a:p>
+            <a:r>
+              <a:rPr lang="en-US" dirty="0"/>
               <a:t>P-namespace. P-</a:t>
             </a:r>
             <a:r>
-              <a:rPr lang="ru-RU" dirty="0" smtClean="0"/>
+              <a:rPr lang="ru-RU" dirty="0"/>
               <a:t>пространства имён.</a:t>
             </a:r>
             <a:endParaRPr lang="en-US" dirty="0"/>
@@ -3007,7 +2991,12 @@
             <p:ph idx="1"/>
           </p:nvPr>
         </p:nvSpPr>
-        <p:spPr/>
+        <p:spPr>
+          <a:xfrm>
+            <a:off x="838200" y="1253331"/>
+            <a:ext cx="10515600" cy="4351338"/>
+          </a:xfrm>
+        </p:spPr>
         <p:txBody>
           <a:bodyPr/>
           <a:lstStyle/>
@@ -3051,17 +3040,15 @@
               <a:rPr lang="ru-RU" dirty="0"/>
               <a:t>.</a:t>
             </a:r>
-            <a:endParaRPr lang="ru-RU" dirty="0" smtClean="0"/>
           </a:p>
           <a:p>
             <a:pPr marL="0" indent="0">
               <a:buNone/>
             </a:pPr>
             <a:r>
-              <a:rPr lang="ru-RU" dirty="0"/>
+              <a:rPr lang="ru-RU" b="1" dirty="0"/>
               <a:t>Т.е. используется для более компактной записи.</a:t>
             </a:r>
-            <a:endParaRPr lang="ru-RU" dirty="0" smtClean="0"/>
           </a:p>
           <a:p>
             <a:endParaRPr lang="en-US" dirty="0"/>
@@ -3078,7 +3065,7 @@
         </p:nvSpPr>
         <p:spPr bwMode="auto">
           <a:xfrm>
-            <a:off x="838200" y="3510826"/>
+            <a:off x="838200" y="3028226"/>
             <a:ext cx="10515600" cy="3170099"/>
           </a:xfrm>
           <a:prstGeom prst="rect">
@@ -3139,7 +3126,7 @@
               <a:tabLst/>
             </a:pPr>
             <a:r>
-              <a:rPr lang="ru-RU" altLang="en-US" sz="2000" dirty="0" smtClean="0">
+              <a:rPr lang="ru-RU" altLang="en-US" sz="2000" dirty="0">
                 <a:solidFill>
                   <a:srgbClr val="E8BF6A"/>
                 </a:solidFill>
@@ -3148,7 +3135,7 @@
               <a:t>С использования </a:t>
             </a:r>
             <a:r>
-              <a:rPr lang="en-US" altLang="en-US" sz="2000" dirty="0" smtClean="0">
+              <a:rPr lang="en-US" altLang="en-US" sz="2000" dirty="0">
                 <a:solidFill>
                   <a:srgbClr val="E8BF6A"/>
                 </a:solidFill>
@@ -3156,7 +3143,7 @@
               </a:rPr>
               <a:t>P-namespace:</a:t>
             </a:r>
-            <a:endParaRPr kumimoji="0" lang="en-US" altLang="en-US" sz="2000" b="0" i="0" u="none" strike="noStrike" cap="none" normalizeH="0" baseline="0" dirty="0" smtClean="0">
+            <a:endParaRPr kumimoji="0" lang="en-US" altLang="en-US" sz="2000" b="0" i="0" u="none" strike="noStrike" cap="none" normalizeH="0" baseline="0" dirty="0">
               <a:ln>
                 <a:noFill/>
               </a:ln>
@@ -3185,7 +3172,7 @@
               <a:tabLst/>
             </a:pPr>
             <a:r>
-              <a:rPr kumimoji="0" lang="en-US" altLang="en-US" sz="2000" b="0" i="0" u="none" strike="noStrike" cap="none" normalizeH="0" baseline="0" dirty="0" smtClean="0">
+              <a:rPr kumimoji="0" lang="en-US" altLang="en-US" sz="2000" b="0" i="0" u="none" strike="noStrike" cap="none" normalizeH="0" baseline="0" dirty="0">
                 <a:ln>
                   <a:noFill/>
                 </a:ln>
@@ -3198,7 +3185,7 @@
               <a:t>&lt;bean </a:t>
             </a:r>
             <a:r>
-              <a:rPr kumimoji="0" lang="en-US" altLang="en-US" sz="2000" b="0" i="0" u="none" strike="noStrike" cap="none" normalizeH="0" baseline="0" dirty="0" smtClean="0">
+              <a:rPr kumimoji="0" lang="en-US" altLang="en-US" sz="2000" b="0" i="0" u="none" strike="noStrike" cap="none" normalizeH="0" baseline="0" dirty="0">
                 <a:ln>
                   <a:noFill/>
                 </a:ln>
@@ -3211,7 +3198,7 @@
               <a:t>name</a:t>
             </a:r>
             <a:r>
-              <a:rPr kumimoji="0" lang="en-US" altLang="en-US" sz="2000" b="0" i="0" u="none" strike="noStrike" cap="none" normalizeH="0" baseline="0" dirty="0" smtClean="0">
+              <a:rPr kumimoji="0" lang="en-US" altLang="en-US" sz="2000" b="0" i="0" u="none" strike="noStrike" cap="none" normalizeH="0" baseline="0" dirty="0">
                 <a:ln>
                   <a:noFill/>
                 </a:ln>
@@ -3224,7 +3211,7 @@
               <a:t>="person" </a:t>
             </a:r>
             <a:r>
-              <a:rPr kumimoji="0" lang="en-US" altLang="en-US" sz="2000" b="0" i="0" u="none" strike="noStrike" cap="none" normalizeH="0" baseline="0" dirty="0" smtClean="0">
+              <a:rPr kumimoji="0" lang="en-US" altLang="en-US" sz="2000" b="0" i="0" u="none" strike="noStrike" cap="none" normalizeH="0" baseline="0" dirty="0">
                 <a:ln>
                   <a:noFill/>
                 </a:ln>
@@ -3237,7 +3224,7 @@
               <a:t>class</a:t>
             </a:r>
             <a:r>
-              <a:rPr kumimoji="0" lang="en-US" altLang="en-US" sz="2000" b="0" i="0" u="none" strike="noStrike" cap="none" normalizeH="0" baseline="0" dirty="0" smtClean="0">
+              <a:rPr kumimoji="0" lang="en-US" altLang="en-US" sz="2000" b="0" i="0" u="none" strike="noStrike" cap="none" normalizeH="0" baseline="0" dirty="0">
                 <a:ln>
                   <a:noFill/>
                 </a:ln>
@@ -3250,7 +3237,7 @@
               <a:t>="com.volkov.IoC.example19.Person"</a:t>
             </a:r>
             <a:br>
-              <a:rPr kumimoji="0" lang="en-US" altLang="en-US" sz="2000" b="0" i="0" u="none" strike="noStrike" cap="none" normalizeH="0" baseline="0" dirty="0" smtClean="0">
+              <a:rPr kumimoji="0" lang="en-US" altLang="en-US" sz="2000" b="0" i="0" u="none" strike="noStrike" cap="none" normalizeH="0" baseline="0" dirty="0">
                 <a:ln>
                   <a:noFill/>
                 </a:ln>
@@ -3262,7 +3249,7 @@
               </a:rPr>
             </a:br>
             <a:r>
-              <a:rPr kumimoji="0" lang="en-US" altLang="en-US" sz="2000" b="0" i="0" u="none" strike="noStrike" cap="none" normalizeH="0" baseline="0" dirty="0" smtClean="0">
+              <a:rPr kumimoji="0" lang="en-US" altLang="en-US" sz="2000" b="0" i="0" u="none" strike="noStrike" cap="none" normalizeH="0" baseline="0" dirty="0">
                 <a:ln>
                   <a:noFill/>
                 </a:ln>
@@ -3275,7 +3262,7 @@
               <a:t>      </a:t>
             </a:r>
             <a:r>
-              <a:rPr kumimoji="0" lang="en-US" altLang="en-US" sz="2000" b="0" i="0" u="none" strike="noStrike" cap="none" normalizeH="0" baseline="0" dirty="0" smtClean="0">
+              <a:rPr kumimoji="0" lang="en-US" altLang="en-US" sz="2000" b="0" i="0" u="none" strike="noStrike" cap="none" normalizeH="0" baseline="0" dirty="0">
                 <a:ln>
                   <a:noFill/>
                 </a:ln>
@@ -3288,7 +3275,7 @@
               <a:t>p</a:t>
             </a:r>
             <a:r>
-              <a:rPr kumimoji="0" lang="en-US" altLang="en-US" sz="2000" b="0" i="0" u="none" strike="noStrike" cap="none" normalizeH="0" baseline="0" dirty="0" smtClean="0">
+              <a:rPr kumimoji="0" lang="en-US" altLang="en-US" sz="2000" b="0" i="0" u="none" strike="noStrike" cap="none" normalizeH="0" baseline="0" dirty="0">
                 <a:ln>
                   <a:noFill/>
                 </a:ln>
@@ -3301,7 +3288,7 @@
               <a:t>:name</a:t>
             </a:r>
             <a:r>
-              <a:rPr kumimoji="0" lang="en-US" altLang="en-US" sz="2000" b="0" i="0" u="none" strike="noStrike" cap="none" normalizeH="0" baseline="0" dirty="0" smtClean="0">
+              <a:rPr kumimoji="0" lang="en-US" altLang="en-US" sz="2000" b="0" i="0" u="none" strike="noStrike" cap="none" normalizeH="0" baseline="0" dirty="0">
                 <a:ln>
                   <a:noFill/>
                 </a:ln>
@@ -3314,7 +3301,7 @@
               <a:t>="Ivan Ivanov" </a:t>
             </a:r>
             <a:r>
-              <a:rPr kumimoji="0" lang="en-US" altLang="en-US" sz="2000" b="0" i="0" u="none" strike="noStrike" cap="none" normalizeH="0" baseline="0" dirty="0" smtClean="0">
+              <a:rPr kumimoji="0" lang="en-US" altLang="en-US" sz="2000" b="0" i="0" u="none" strike="noStrike" cap="none" normalizeH="0" baseline="0" dirty="0">
                 <a:ln>
                   <a:noFill/>
                 </a:ln>
@@ -3327,7 +3314,7 @@
               <a:t>p</a:t>
             </a:r>
             <a:r>
-              <a:rPr kumimoji="0" lang="en-US" altLang="en-US" sz="2000" b="0" i="0" u="none" strike="noStrike" cap="none" normalizeH="0" baseline="0" dirty="0" smtClean="0">
+              <a:rPr kumimoji="0" lang="en-US" altLang="en-US" sz="2000" b="0" i="0" u="none" strike="noStrike" cap="none" normalizeH="0" baseline="0" dirty="0">
                 <a:ln>
                   <a:noFill/>
                 </a:ln>
@@ -3340,7 +3327,7 @@
               <a:t>:cat-ref</a:t>
             </a:r>
             <a:r>
-              <a:rPr kumimoji="0" lang="en-US" altLang="en-US" sz="2000" b="0" i="0" u="none" strike="noStrike" cap="none" normalizeH="0" baseline="0" dirty="0" smtClean="0">
+              <a:rPr kumimoji="0" lang="en-US" altLang="en-US" sz="2000" b="0" i="0" u="none" strike="noStrike" cap="none" normalizeH="0" baseline="0" dirty="0">
                 <a:ln>
                   <a:noFill/>
                 </a:ln>
@@ -3353,7 +3340,7 @@
               <a:t>="cat"</a:t>
             </a:r>
             <a:r>
-              <a:rPr kumimoji="0" lang="en-US" altLang="en-US" sz="2000" b="0" i="0" u="none" strike="noStrike" cap="none" normalizeH="0" baseline="0" dirty="0" smtClean="0">
+              <a:rPr kumimoji="0" lang="en-US" altLang="en-US" sz="2000" b="0" i="0" u="none" strike="noStrike" cap="none" normalizeH="0" baseline="0" dirty="0">
                 <a:ln>
                   <a:noFill/>
                 </a:ln>
@@ -3366,7 +3353,7 @@
               <a:t>/&gt;</a:t>
             </a:r>
             <a:br>
-              <a:rPr kumimoji="0" lang="en-US" altLang="en-US" sz="2000" b="0" i="0" u="none" strike="noStrike" cap="none" normalizeH="0" baseline="0" dirty="0" smtClean="0">
+              <a:rPr kumimoji="0" lang="en-US" altLang="en-US" sz="2000" b="0" i="0" u="none" strike="noStrike" cap="none" normalizeH="0" baseline="0" dirty="0">
                 <a:ln>
                   <a:noFill/>
                 </a:ln>
@@ -3377,8 +3364,8 @@
                 <a:latin typeface="JetBrains Mono"/>
               </a:rPr>
             </a:br>
-            <a:r>
-              <a:rPr kumimoji="0" lang="en-US" altLang="en-US" sz="2000" b="0" i="0" u="none" strike="noStrike" cap="none" normalizeH="0" baseline="0" dirty="0" smtClean="0">
+            <a:br>
+              <a:rPr kumimoji="0" lang="en-US" altLang="en-US" sz="2000" b="0" i="0" u="none" strike="noStrike" cap="none" normalizeH="0" baseline="0" dirty="0">
                 <a:ln>
                   <a:noFill/>
                 </a:ln>
@@ -3388,10 +3375,73 @@
                 <a:effectLst/>
                 <a:latin typeface="JetBrains Mono"/>
               </a:rPr>
-              <a:t/>
+            </a:br>
+            <a:r>
+              <a:rPr kumimoji="0" lang="en-US" altLang="en-US" sz="2000" b="0" i="0" u="none" strike="noStrike" cap="none" normalizeH="0" baseline="0" dirty="0" err="1">
+                <a:ln>
+                  <a:noFill/>
+                </a:ln>
+                <a:solidFill>
+                  <a:srgbClr val="A9B7C6"/>
+                </a:solidFill>
+                <a:effectLst/>
+                <a:latin typeface="JetBrains Mono"/>
+              </a:rPr>
+              <a:t>классическая</a:t>
+            </a:r>
+            <a:r>
+              <a:rPr kumimoji="0" lang="en-US" altLang="en-US" sz="2000" b="0" i="0" u="none" strike="noStrike" cap="none" normalizeH="0" baseline="0" dirty="0">
+                <a:ln>
+                  <a:noFill/>
+                </a:ln>
+                <a:solidFill>
+                  <a:srgbClr val="A9B7C6"/>
+                </a:solidFill>
+                <a:effectLst/>
+                <a:latin typeface="JetBrains Mono"/>
+              </a:rPr>
+              <a:t> </a:t>
+            </a:r>
+            <a:r>
+              <a:rPr kumimoji="0" lang="en-US" altLang="en-US" sz="2000" b="0" i="0" u="none" strike="noStrike" cap="none" normalizeH="0" baseline="0" dirty="0" err="1">
+                <a:ln>
+                  <a:noFill/>
+                </a:ln>
+                <a:solidFill>
+                  <a:srgbClr val="A9B7C6"/>
+                </a:solidFill>
+                <a:effectLst/>
+                <a:latin typeface="JetBrains Mono"/>
+              </a:rPr>
+              <a:t>запись</a:t>
+            </a:r>
+            <a:r>
+              <a:rPr kumimoji="0" lang="en-US" altLang="en-US" sz="2000" b="0" i="0" u="none" strike="noStrike" cap="none" normalizeH="0" baseline="0" dirty="0">
+                <a:ln>
+                  <a:noFill/>
+                </a:ln>
+                <a:solidFill>
+                  <a:srgbClr val="A9B7C6"/>
+                </a:solidFill>
+                <a:effectLst/>
+                <a:latin typeface="JetBrains Mono"/>
+              </a:rPr>
+              <a:t>:</a:t>
             </a:r>
             <a:br>
-              <a:rPr kumimoji="0" lang="en-US" altLang="en-US" sz="2000" b="0" i="0" u="none" strike="noStrike" cap="none" normalizeH="0" baseline="0" dirty="0" smtClean="0">
+              <a:rPr kumimoji="0" lang="en-US" altLang="en-US" sz="2000" b="0" i="0" u="none" strike="noStrike" cap="none" normalizeH="0" baseline="0" dirty="0">
+                <a:ln>
+                  <a:noFill/>
+                </a:ln>
+                <a:solidFill>
+                  <a:srgbClr val="A9B7C6"/>
+                </a:solidFill>
+                <a:effectLst/>
+                <a:latin typeface="JetBrains Mono"/>
+              </a:rPr>
+            </a:br>
+            <a:r>
+              <a:rPr kumimoji="0" lang="en-US" altLang="en-US" sz="2000" b="0" i="0" u="none" strike="noStrike" cap="none" normalizeH="0" baseline="0" dirty="0">
                 <a:ln>
                   <a:noFill/>
                 </a:ln>
@@ -3401,73 +3451,177 @@
                 <a:effectLst/>
                 <a:latin typeface="JetBrains Mono"/>
               </a:rPr>
+              <a:t>&lt;bean </a:t>
+            </a:r>
+            <a:r>
+              <a:rPr kumimoji="0" lang="en-US" altLang="en-US" sz="2000" b="0" i="0" u="none" strike="noStrike" cap="none" normalizeH="0" baseline="0" dirty="0">
+                <a:ln>
+                  <a:noFill/>
+                </a:ln>
+                <a:solidFill>
+                  <a:srgbClr val="BABABA"/>
+                </a:solidFill>
+                <a:effectLst/>
+                <a:latin typeface="JetBrains Mono"/>
+              </a:rPr>
+              <a:t>name</a:t>
+            </a:r>
+            <a:r>
+              <a:rPr kumimoji="0" lang="en-US" altLang="en-US" sz="2000" b="0" i="0" u="none" strike="noStrike" cap="none" normalizeH="0" baseline="0" dirty="0">
+                <a:ln>
+                  <a:noFill/>
+                </a:ln>
+                <a:solidFill>
+                  <a:srgbClr val="6A8759"/>
+                </a:solidFill>
+                <a:effectLst/>
+                <a:latin typeface="JetBrains Mono"/>
+              </a:rPr>
+              <a:t>="person" </a:t>
+            </a:r>
+            <a:r>
+              <a:rPr kumimoji="0" lang="en-US" altLang="en-US" sz="2000" b="0" i="0" u="none" strike="noStrike" cap="none" normalizeH="0" baseline="0" dirty="0">
+                <a:ln>
+                  <a:noFill/>
+                </a:ln>
+                <a:solidFill>
+                  <a:srgbClr val="BABABA"/>
+                </a:solidFill>
+                <a:effectLst/>
+                <a:latin typeface="JetBrains Mono"/>
+              </a:rPr>
+              <a:t>class</a:t>
+            </a:r>
+            <a:r>
+              <a:rPr kumimoji="0" lang="en-US" altLang="en-US" sz="2000" b="0" i="0" u="none" strike="noStrike" cap="none" normalizeH="0" baseline="0" dirty="0">
+                <a:ln>
+                  <a:noFill/>
+                </a:ln>
+                <a:solidFill>
+                  <a:srgbClr val="6A8759"/>
+                </a:solidFill>
+                <a:effectLst/>
+                <a:latin typeface="JetBrains Mono"/>
+              </a:rPr>
+              <a:t>="com.volkov.IoC.example19.Person"</a:t>
+            </a:r>
+            <a:r>
+              <a:rPr kumimoji="0" lang="en-US" altLang="en-US" sz="2000" b="0" i="0" u="none" strike="noStrike" cap="none" normalizeH="0" baseline="0" dirty="0">
+                <a:ln>
+                  <a:noFill/>
+                </a:ln>
+                <a:solidFill>
+                  <a:srgbClr val="E8BF6A"/>
+                </a:solidFill>
+                <a:effectLst/>
+                <a:latin typeface="JetBrains Mono"/>
+              </a:rPr>
+              <a:t>&gt;</a:t>
+            </a:r>
+            <a:br>
+              <a:rPr kumimoji="0" lang="en-US" altLang="en-US" sz="2000" b="0" i="0" u="none" strike="noStrike" cap="none" normalizeH="0" baseline="0" dirty="0">
+                <a:ln>
+                  <a:noFill/>
+                </a:ln>
+                <a:solidFill>
+                  <a:srgbClr val="E8BF6A"/>
+                </a:solidFill>
+                <a:effectLst/>
+                <a:latin typeface="JetBrains Mono"/>
+              </a:rPr>
             </a:br>
             <a:r>
-              <a:rPr kumimoji="0" lang="en-US" altLang="en-US" sz="2000" b="0" i="0" u="none" strike="noStrike" cap="none" normalizeH="0" baseline="0" dirty="0" err="1" smtClean="0">
-                <a:ln>
-                  <a:noFill/>
-                </a:ln>
-                <a:solidFill>
-                  <a:srgbClr val="A9B7C6"/>
-                </a:solidFill>
-                <a:effectLst/>
-                <a:latin typeface="JetBrains Mono"/>
-              </a:rPr>
-              <a:t>классическая</a:t>
-            </a:r>
-            <a:r>
-              <a:rPr kumimoji="0" lang="en-US" altLang="en-US" sz="2000" b="0" i="0" u="none" strike="noStrike" cap="none" normalizeH="0" baseline="0" dirty="0" smtClean="0">
-                <a:ln>
-                  <a:noFill/>
-                </a:ln>
-                <a:solidFill>
-                  <a:srgbClr val="A9B7C6"/>
-                </a:solidFill>
-                <a:effectLst/>
-                <a:latin typeface="JetBrains Mono"/>
-              </a:rPr>
-              <a:t> </a:t>
-            </a:r>
-            <a:r>
-              <a:rPr kumimoji="0" lang="en-US" altLang="en-US" sz="2000" b="0" i="0" u="none" strike="noStrike" cap="none" normalizeH="0" baseline="0" dirty="0" err="1" smtClean="0">
-                <a:ln>
-                  <a:noFill/>
-                </a:ln>
-                <a:solidFill>
-                  <a:srgbClr val="A9B7C6"/>
-                </a:solidFill>
-                <a:effectLst/>
-                <a:latin typeface="JetBrains Mono"/>
-              </a:rPr>
-              <a:t>запись</a:t>
-            </a:r>
-            <a:r>
-              <a:rPr kumimoji="0" lang="en-US" altLang="en-US" sz="2000" b="0" i="0" u="none" strike="noStrike" cap="none" normalizeH="0" baseline="0" dirty="0" smtClean="0">
-                <a:ln>
-                  <a:noFill/>
-                </a:ln>
-                <a:solidFill>
-                  <a:srgbClr val="A9B7C6"/>
-                </a:solidFill>
-                <a:effectLst/>
-                <a:latin typeface="JetBrains Mono"/>
-              </a:rPr>
-              <a:t>:</a:t>
+              <a:rPr kumimoji="0" lang="en-US" altLang="en-US" sz="2000" b="0" i="0" u="none" strike="noStrike" cap="none" normalizeH="0" baseline="0" dirty="0">
+                <a:ln>
+                  <a:noFill/>
+                </a:ln>
+                <a:solidFill>
+                  <a:srgbClr val="E8BF6A"/>
+                </a:solidFill>
+                <a:effectLst/>
+                <a:latin typeface="JetBrains Mono"/>
+              </a:rPr>
+              <a:t>    &lt;property </a:t>
+            </a:r>
+            <a:r>
+              <a:rPr kumimoji="0" lang="en-US" altLang="en-US" sz="2000" b="0" i="0" u="none" strike="noStrike" cap="none" normalizeH="0" baseline="0" dirty="0">
+                <a:ln>
+                  <a:noFill/>
+                </a:ln>
+                <a:solidFill>
+                  <a:srgbClr val="BABABA"/>
+                </a:solidFill>
+                <a:effectLst/>
+                <a:latin typeface="JetBrains Mono"/>
+              </a:rPr>
+              <a:t>name</a:t>
+            </a:r>
+            <a:r>
+              <a:rPr kumimoji="0" lang="en-US" altLang="en-US" sz="2000" b="0" i="0" u="none" strike="noStrike" cap="none" normalizeH="0" baseline="0" dirty="0">
+                <a:ln>
+                  <a:noFill/>
+                </a:ln>
+                <a:solidFill>
+                  <a:srgbClr val="6A8759"/>
+                </a:solidFill>
+                <a:effectLst/>
+                <a:latin typeface="JetBrains Mono"/>
+              </a:rPr>
+              <a:t>="name" </a:t>
+            </a:r>
+            <a:r>
+              <a:rPr kumimoji="0" lang="en-US" altLang="en-US" sz="2000" b="0" i="0" u="none" strike="noStrike" cap="none" normalizeH="0" baseline="0" dirty="0">
+                <a:ln>
+                  <a:noFill/>
+                </a:ln>
+                <a:solidFill>
+                  <a:srgbClr val="BABABA"/>
+                </a:solidFill>
+                <a:effectLst/>
+                <a:latin typeface="JetBrains Mono"/>
+              </a:rPr>
+              <a:t>value</a:t>
+            </a:r>
+            <a:r>
+              <a:rPr kumimoji="0" lang="en-US" altLang="en-US" sz="2000" b="0" i="0" u="none" strike="noStrike" cap="none" normalizeH="0" baseline="0" dirty="0">
+                <a:ln>
+                  <a:noFill/>
+                </a:ln>
+                <a:solidFill>
+                  <a:srgbClr val="6A8759"/>
+                </a:solidFill>
+                <a:effectLst/>
+                <a:latin typeface="JetBrains Mono"/>
+              </a:rPr>
+              <a:t>="Ivan Ivanov"</a:t>
+            </a:r>
+            <a:r>
+              <a:rPr kumimoji="0" lang="en-US" altLang="en-US" sz="2000" b="0" i="0" u="none" strike="noStrike" cap="none" normalizeH="0" baseline="0" dirty="0">
+                <a:ln>
+                  <a:noFill/>
+                </a:ln>
+                <a:solidFill>
+                  <a:srgbClr val="E8BF6A"/>
+                </a:solidFill>
+                <a:effectLst/>
+                <a:latin typeface="JetBrains Mono"/>
+              </a:rPr>
+              <a:t>/&gt;</a:t>
             </a:r>
             <a:br>
-              <a:rPr kumimoji="0" lang="en-US" altLang="en-US" sz="2000" b="0" i="0" u="none" strike="noStrike" cap="none" normalizeH="0" baseline="0" dirty="0" smtClean="0">
-                <a:ln>
-                  <a:noFill/>
-                </a:ln>
-                <a:solidFill>
-                  <a:srgbClr val="A9B7C6"/>
+              <a:rPr kumimoji="0" lang="en-US" altLang="en-US" sz="2000" b="0" i="0" u="none" strike="noStrike" cap="none" normalizeH="0" baseline="0" dirty="0">
+                <a:ln>
+                  <a:noFill/>
+                </a:ln>
+                <a:solidFill>
+                  <a:srgbClr val="E8BF6A"/>
                 </a:solidFill>
                 <a:effectLst/>
                 <a:latin typeface="JetBrains Mono"/>
               </a:rPr>
             </a:br>
             <a:r>
-              <a:rPr kumimoji="0" lang="en-US" altLang="en-US" sz="2000" b="0" i="0" u="none" strike="noStrike" cap="none" normalizeH="0" baseline="0" dirty="0" smtClean="0">
+              <a:rPr kumimoji="0" lang="en-US" altLang="en-US" sz="2000" b="0" i="0" u="none" strike="noStrike" cap="none" normalizeH="0" baseline="0" dirty="0">
                 <a:ln>
                   <a:noFill/>
                 </a:ln>
@@ -3477,10 +3631,10 @@
                 <a:effectLst/>
                 <a:latin typeface="JetBrains Mono"/>
               </a:rPr>
-              <a:t>&lt;bean </a:t>
-            </a:r>
-            <a:r>
-              <a:rPr kumimoji="0" lang="en-US" altLang="en-US" sz="2000" b="0" i="0" u="none" strike="noStrike" cap="none" normalizeH="0" baseline="0" dirty="0" smtClean="0">
+              <a:t>    &lt;property </a:t>
+            </a:r>
+            <a:r>
+              <a:rPr kumimoji="0" lang="en-US" altLang="en-US" sz="2000" b="0" i="0" u="none" strike="noStrike" cap="none" normalizeH="0" baseline="0" dirty="0">
                 <a:ln>
                   <a:noFill/>
                 </a:ln>
@@ -3493,7 +3647,7 @@
               <a:t>name</a:t>
             </a:r>
             <a:r>
-              <a:rPr kumimoji="0" lang="en-US" altLang="en-US" sz="2000" b="0" i="0" u="none" strike="noStrike" cap="none" normalizeH="0" baseline="0" dirty="0" smtClean="0">
+              <a:rPr kumimoji="0" lang="en-US" altLang="en-US" sz="2000" b="0" i="0" u="none" strike="noStrike" cap="none" normalizeH="0" baseline="0" dirty="0">
                 <a:ln>
                   <a:noFill/>
                 </a:ln>
@@ -3503,10 +3657,10 @@
                 <a:effectLst/>
                 <a:latin typeface="JetBrains Mono"/>
               </a:rPr>
-              <a:t>="person" </a:t>
-            </a:r>
-            <a:r>
-              <a:rPr kumimoji="0" lang="en-US" altLang="en-US" sz="2000" b="0" i="0" u="none" strike="noStrike" cap="none" normalizeH="0" baseline="0" dirty="0" smtClean="0">
+              <a:t>="cat" </a:t>
+            </a:r>
+            <a:r>
+              <a:rPr kumimoji="0" lang="en-US" altLang="en-US" sz="2000" b="0" i="0" u="none" strike="noStrike" cap="none" normalizeH="0" baseline="0" dirty="0">
                 <a:ln>
                   <a:noFill/>
                 </a:ln>
@@ -3516,10 +3670,10 @@
                 <a:effectLst/>
                 <a:latin typeface="JetBrains Mono"/>
               </a:rPr>
-              <a:t>class</a:t>
-            </a:r>
-            <a:r>
-              <a:rPr kumimoji="0" lang="en-US" altLang="en-US" sz="2000" b="0" i="0" u="none" strike="noStrike" cap="none" normalizeH="0" baseline="0" dirty="0" smtClean="0">
+              <a:t>ref</a:t>
+            </a:r>
+            <a:r>
+              <a:rPr kumimoji="0" lang="en-US" altLang="en-US" sz="2000" b="0" i="0" u="none" strike="noStrike" cap="none" normalizeH="0" baseline="0" dirty="0">
                 <a:ln>
                   <a:noFill/>
                 </a:ln>
@@ -3529,10 +3683,10 @@
                 <a:effectLst/>
                 <a:latin typeface="JetBrains Mono"/>
               </a:rPr>
-              <a:t>="com.volkov.IoC.example19.Person"</a:t>
-            </a:r>
-            <a:r>
-              <a:rPr kumimoji="0" lang="en-US" altLang="en-US" sz="2000" b="0" i="0" u="none" strike="noStrike" cap="none" normalizeH="0" baseline="0" dirty="0" smtClean="0">
+              <a:t>="cat"</a:t>
+            </a:r>
+            <a:r>
+              <a:rPr kumimoji="0" lang="en-US" altLang="en-US" sz="2000" b="0" i="0" u="none" strike="noStrike" cap="none" normalizeH="0" baseline="0" dirty="0">
                 <a:ln>
                   <a:noFill/>
                 </a:ln>
@@ -3542,10 +3696,10 @@
                 <a:effectLst/>
                 <a:latin typeface="JetBrains Mono"/>
               </a:rPr>
-              <a:t>&gt;</a:t>
+              <a:t>/&gt;</a:t>
             </a:r>
             <a:br>
-              <a:rPr kumimoji="0" lang="en-US" altLang="en-US" sz="2000" b="0" i="0" u="none" strike="noStrike" cap="none" normalizeH="0" baseline="0" dirty="0" smtClean="0">
+              <a:rPr kumimoji="0" lang="en-US" altLang="en-US" sz="2000" b="0" i="0" u="none" strike="noStrike" cap="none" normalizeH="0" baseline="0" dirty="0">
                 <a:ln>
                   <a:noFill/>
                 </a:ln>
@@ -3557,7 +3711,7 @@
               </a:rPr>
             </a:br>
             <a:r>
-              <a:rPr kumimoji="0" lang="en-US" altLang="en-US" sz="2000" b="0" i="0" u="none" strike="noStrike" cap="none" normalizeH="0" baseline="0" dirty="0" smtClean="0">
+              <a:rPr kumimoji="0" lang="en-US" altLang="en-US" sz="2000" b="0" i="0" u="none" strike="noStrike" cap="none" normalizeH="0" baseline="0" dirty="0">
                 <a:ln>
                   <a:noFill/>
                 </a:ln>
@@ -3567,62 +3721,10 @@
                 <a:effectLst/>
                 <a:latin typeface="JetBrains Mono"/>
               </a:rPr>
-              <a:t>    &lt;property </a:t>
-            </a:r>
-            <a:r>
-              <a:rPr kumimoji="0" lang="en-US" altLang="en-US" sz="2000" b="0" i="0" u="none" strike="noStrike" cap="none" normalizeH="0" baseline="0" dirty="0" smtClean="0">
-                <a:ln>
-                  <a:noFill/>
-                </a:ln>
-                <a:solidFill>
-                  <a:srgbClr val="BABABA"/>
-                </a:solidFill>
-                <a:effectLst/>
-                <a:latin typeface="JetBrains Mono"/>
-              </a:rPr>
-              <a:t>name</a:t>
-            </a:r>
-            <a:r>
-              <a:rPr kumimoji="0" lang="en-US" altLang="en-US" sz="2000" b="0" i="0" u="none" strike="noStrike" cap="none" normalizeH="0" baseline="0" dirty="0" smtClean="0">
-                <a:ln>
-                  <a:noFill/>
-                </a:ln>
-                <a:solidFill>
-                  <a:srgbClr val="6A8759"/>
-                </a:solidFill>
-                <a:effectLst/>
-                <a:latin typeface="JetBrains Mono"/>
-              </a:rPr>
-              <a:t>="name" </a:t>
-            </a:r>
-            <a:r>
-              <a:rPr kumimoji="0" lang="en-US" altLang="en-US" sz="2000" b="0" i="0" u="none" strike="noStrike" cap="none" normalizeH="0" baseline="0" dirty="0" smtClean="0">
-                <a:ln>
-                  <a:noFill/>
-                </a:ln>
-                <a:solidFill>
-                  <a:srgbClr val="BABABA"/>
-                </a:solidFill>
-                <a:effectLst/>
-                <a:latin typeface="JetBrains Mono"/>
-              </a:rPr>
-              <a:t>value</a:t>
-            </a:r>
-            <a:r>
-              <a:rPr kumimoji="0" lang="en-US" altLang="en-US" sz="2000" b="0" i="0" u="none" strike="noStrike" cap="none" normalizeH="0" baseline="0" dirty="0" smtClean="0">
-                <a:ln>
-                  <a:noFill/>
-                </a:ln>
-                <a:solidFill>
-                  <a:srgbClr val="6A8759"/>
-                </a:solidFill>
-                <a:effectLst/>
-                <a:latin typeface="JetBrains Mono"/>
-              </a:rPr>
-              <a:t>="Ivan Ivanov"</a:t>
-            </a:r>
-            <a:r>
-              <a:rPr kumimoji="0" lang="en-US" altLang="en-US" sz="2000" b="0" i="0" u="none" strike="noStrike" cap="none" normalizeH="0" baseline="0" dirty="0" smtClean="0">
+              <a:t>&lt;/bean&gt;</a:t>
+            </a:r>
+            <a:br>
+              <a:rPr kumimoji="0" lang="en-US" altLang="en-US" sz="2000" b="0" i="0" u="none" strike="noStrike" cap="none" normalizeH="0" baseline="0" dirty="0">
                 <a:ln>
                   <a:noFill/>
                 </a:ln>
@@ -3632,136 +3734,8 @@
                 <a:effectLst/>
                 <a:latin typeface="JetBrains Mono"/>
               </a:rPr>
-              <a:t>/&gt;</a:t>
-            </a:r>
-            <a:br>
-              <a:rPr kumimoji="0" lang="en-US" altLang="en-US" sz="2000" b="0" i="0" u="none" strike="noStrike" cap="none" normalizeH="0" baseline="0" dirty="0" smtClean="0">
-                <a:ln>
-                  <a:noFill/>
-                </a:ln>
-                <a:solidFill>
-                  <a:srgbClr val="E8BF6A"/>
-                </a:solidFill>
-                <a:effectLst/>
-                <a:latin typeface="JetBrains Mono"/>
-              </a:rPr>
             </a:br>
-            <a:r>
-              <a:rPr kumimoji="0" lang="en-US" altLang="en-US" sz="2000" b="0" i="0" u="none" strike="noStrike" cap="none" normalizeH="0" baseline="0" dirty="0" smtClean="0">
-                <a:ln>
-                  <a:noFill/>
-                </a:ln>
-                <a:solidFill>
-                  <a:srgbClr val="E8BF6A"/>
-                </a:solidFill>
-                <a:effectLst/>
-                <a:latin typeface="JetBrains Mono"/>
-              </a:rPr>
-              <a:t>    &lt;property </a:t>
-            </a:r>
-            <a:r>
-              <a:rPr kumimoji="0" lang="en-US" altLang="en-US" sz="2000" b="0" i="0" u="none" strike="noStrike" cap="none" normalizeH="0" baseline="0" dirty="0" smtClean="0">
-                <a:ln>
-                  <a:noFill/>
-                </a:ln>
-                <a:solidFill>
-                  <a:srgbClr val="BABABA"/>
-                </a:solidFill>
-                <a:effectLst/>
-                <a:latin typeface="JetBrains Mono"/>
-              </a:rPr>
-              <a:t>name</a:t>
-            </a:r>
-            <a:r>
-              <a:rPr kumimoji="0" lang="en-US" altLang="en-US" sz="2000" b="0" i="0" u="none" strike="noStrike" cap="none" normalizeH="0" baseline="0" dirty="0" smtClean="0">
-                <a:ln>
-                  <a:noFill/>
-                </a:ln>
-                <a:solidFill>
-                  <a:srgbClr val="6A8759"/>
-                </a:solidFill>
-                <a:effectLst/>
-                <a:latin typeface="JetBrains Mono"/>
-              </a:rPr>
-              <a:t>="cat" </a:t>
-            </a:r>
-            <a:r>
-              <a:rPr kumimoji="0" lang="en-US" altLang="en-US" sz="2000" b="0" i="0" u="none" strike="noStrike" cap="none" normalizeH="0" baseline="0" dirty="0" smtClean="0">
-                <a:ln>
-                  <a:noFill/>
-                </a:ln>
-                <a:solidFill>
-                  <a:srgbClr val="BABABA"/>
-                </a:solidFill>
-                <a:effectLst/>
-                <a:latin typeface="JetBrains Mono"/>
-              </a:rPr>
-              <a:t>ref</a:t>
-            </a:r>
-            <a:r>
-              <a:rPr kumimoji="0" lang="en-US" altLang="en-US" sz="2000" b="0" i="0" u="none" strike="noStrike" cap="none" normalizeH="0" baseline="0" dirty="0" smtClean="0">
-                <a:ln>
-                  <a:noFill/>
-                </a:ln>
-                <a:solidFill>
-                  <a:srgbClr val="6A8759"/>
-                </a:solidFill>
-                <a:effectLst/>
-                <a:latin typeface="JetBrains Mono"/>
-              </a:rPr>
-              <a:t>="cat"</a:t>
-            </a:r>
-            <a:r>
-              <a:rPr kumimoji="0" lang="en-US" altLang="en-US" sz="2000" b="0" i="0" u="none" strike="noStrike" cap="none" normalizeH="0" baseline="0" dirty="0" smtClean="0">
-                <a:ln>
-                  <a:noFill/>
-                </a:ln>
-                <a:solidFill>
-                  <a:srgbClr val="E8BF6A"/>
-                </a:solidFill>
-                <a:effectLst/>
-                <a:latin typeface="JetBrains Mono"/>
-              </a:rPr>
-              <a:t>/&gt;</a:t>
-            </a:r>
-            <a:br>
-              <a:rPr kumimoji="0" lang="en-US" altLang="en-US" sz="2000" b="0" i="0" u="none" strike="noStrike" cap="none" normalizeH="0" baseline="0" dirty="0" smtClean="0">
-                <a:ln>
-                  <a:noFill/>
-                </a:ln>
-                <a:solidFill>
-                  <a:srgbClr val="E8BF6A"/>
-                </a:solidFill>
-                <a:effectLst/>
-                <a:latin typeface="JetBrains Mono"/>
-              </a:rPr>
-            </a:br>
-            <a:r>
-              <a:rPr kumimoji="0" lang="en-US" altLang="en-US" sz="2000" b="0" i="0" u="none" strike="noStrike" cap="none" normalizeH="0" baseline="0" dirty="0" smtClean="0">
-                <a:ln>
-                  <a:noFill/>
-                </a:ln>
-                <a:solidFill>
-                  <a:srgbClr val="E8BF6A"/>
-                </a:solidFill>
-                <a:effectLst/>
-                <a:latin typeface="JetBrains Mono"/>
-              </a:rPr>
-              <a:t>&lt;/bean&gt;</a:t>
-            </a:r>
-            <a:br>
-              <a:rPr kumimoji="0" lang="en-US" altLang="en-US" sz="2000" b="0" i="0" u="none" strike="noStrike" cap="none" normalizeH="0" baseline="0" dirty="0" smtClean="0">
-                <a:ln>
-                  <a:noFill/>
-                </a:ln>
-                <a:solidFill>
-                  <a:srgbClr val="E8BF6A"/>
-                </a:solidFill>
-                <a:effectLst/>
-                <a:latin typeface="JetBrains Mono"/>
-              </a:rPr>
-            </a:br>
-            <a:endParaRPr kumimoji="0" lang="en-US" altLang="en-US" sz="2000" b="0" i="0" u="none" strike="noStrike" cap="none" normalizeH="0" baseline="0" dirty="0" smtClean="0">
+            <a:endParaRPr kumimoji="0" lang="en-US" altLang="en-US" sz="2000" b="0" i="0" u="none" strike="noStrike" cap="none" normalizeH="0" baseline="0" dirty="0">
               <a:ln>
                 <a:noFill/>
               </a:ln>
@@ -3828,98 +3802,70 @@
               <a:buNone/>
             </a:pPr>
             <a:r>
-              <a:rPr lang="ru-RU" dirty="0" smtClean="0"/>
+              <a:rPr lang="ru-RU" dirty="0"/>
               <a:t>На примере чётко видны различия между </a:t>
             </a:r>
             <a:r>
-              <a:rPr lang="ru-RU" dirty="0" err="1" smtClean="0"/>
+              <a:rPr lang="ru-RU" dirty="0" err="1"/>
               <a:t>класическим</a:t>
             </a:r>
             <a:r>
-              <a:rPr lang="ru-RU" dirty="0" smtClean="0"/>
-              <a:t> вариантом </a:t>
-            </a:r>
-            <a:r>
-              <a:rPr lang="ru-RU" dirty="0" smtClean="0"/>
-              <a:t>записи </a:t>
-            </a:r>
-            <a:r>
-              <a:rPr lang="ru-RU" dirty="0" smtClean="0"/>
-              <a:t>вариантов через </a:t>
-            </a:r>
-            <a:r>
-              <a:rPr lang="ru-RU" dirty="0" smtClean="0"/>
-              <a:t>p-</a:t>
-            </a:r>
-            <a:r>
-              <a:rPr lang="ru-RU" dirty="0" err="1" smtClean="0"/>
+              <a:rPr lang="ru-RU" dirty="0"/>
+              <a:t> вариантом записи вариантов через p-</a:t>
+            </a:r>
+            <a:r>
+              <a:rPr lang="ru-RU" dirty="0" err="1"/>
               <a:t>namespace</a:t>
             </a:r>
-            <a:endParaRPr lang="ru-RU" dirty="0" smtClean="0"/>
+            <a:endParaRPr lang="ru-RU" dirty="0"/>
           </a:p>
           <a:p>
             <a:pPr marL="0" indent="0">
               <a:buNone/>
             </a:pPr>
             <a:r>
-              <a:rPr lang="ru-RU" dirty="0" smtClean="0"/>
+              <a:rPr lang="ru-RU" dirty="0"/>
               <a:t>При </a:t>
             </a:r>
             <a:r>
-              <a:rPr lang="ru-RU" dirty="0" err="1" smtClean="0"/>
+              <a:rPr lang="ru-RU" dirty="0" err="1"/>
               <a:t>опредении</a:t>
             </a:r>
             <a:r>
-              <a:rPr lang="ru-RU" dirty="0" smtClean="0"/>
+              <a:rPr lang="ru-RU" dirty="0"/>
               <a:t> свойств </a:t>
             </a:r>
             <a:r>
-              <a:rPr lang="ru-RU" dirty="0" err="1" smtClean="0"/>
+              <a:rPr lang="ru-RU" dirty="0" err="1"/>
               <a:t>бина</a:t>
             </a:r>
             <a:r>
-              <a:rPr lang="ru-RU" dirty="0" smtClean="0"/>
+              <a:rPr lang="ru-RU" dirty="0"/>
               <a:t> при помощи p-</a:t>
             </a:r>
             <a:r>
-              <a:rPr lang="ru-RU" dirty="0" err="1" smtClean="0"/>
+              <a:rPr lang="ru-RU" dirty="0" err="1"/>
               <a:t>namespace</a:t>
             </a:r>
             <a:r>
-              <a:rPr lang="ru-RU" dirty="0" smtClean="0"/>
+              <a:rPr lang="ru-RU" dirty="0"/>
               <a:t> вместо тега &lt;</a:t>
             </a:r>
             <a:r>
-              <a:rPr lang="ru-RU" dirty="0" err="1" smtClean="0"/>
+              <a:rPr lang="ru-RU" dirty="0" err="1"/>
               <a:t>property</a:t>
             </a:r>
             <a:r>
-              <a:rPr lang="ru-RU" dirty="0" smtClean="0"/>
+              <a:rPr lang="ru-RU" dirty="0"/>
               <a:t>&gt;  используется p:имя_поля="значение" или p:имя_поля-ref="ID </a:t>
             </a:r>
             <a:r>
               <a:rPr lang="ru-RU" dirty="0" err="1"/>
-              <a:t>б</a:t>
-            </a:r>
-            <a:r>
-              <a:rPr lang="ru-RU" dirty="0" err="1" smtClean="0"/>
-              <a:t>ина</a:t>
-            </a:r>
-            <a:r>
-              <a:rPr lang="ru-RU" dirty="0" smtClean="0"/>
-              <a:t> </a:t>
-            </a:r>
-            <a:r>
-              <a:rPr lang="ru-RU" dirty="0" smtClean="0"/>
-              <a:t>на который </a:t>
-            </a:r>
-            <a:r>
-              <a:rPr lang="ru-RU" dirty="0" smtClean="0"/>
-              <a:t>ссылаемся</a:t>
-            </a:r>
-            <a:r>
-              <a:rPr lang="ru-RU" dirty="0" smtClean="0"/>
-              <a:t>".</a:t>
+              <a:t>бина</a:t>
+            </a:r>
+            <a:r>
+              <a:rPr lang="ru-RU" dirty="0"/>
+              <a:t> на который ссылаемся".</a:t>
             </a:r>
           </a:p>
           <a:p>
